--- a/docs/deployment_guide/images/quickstart-ibm-mq-eks-architecture-diagram.pptx
+++ b/docs/deployment_guide/images/quickstart-ibm-mq-eks-architecture-diagram.pptx
@@ -206,7 +206,7 @@
           <a:p>
             <a:fld id="{3D24F5CC-F88F-2E40-B1E3-1BEBDB4FB352}" type="datetimeFigureOut">
               <a:rPr lang="en-US" smtClean="0"/>
-              <a:t>3/8/23</a:t>
+              <a:t>3/15/2023</a:t>
             </a:fld>
             <a:endParaRPr lang="en-US" dirty="0"/>
           </a:p>
@@ -748,7 +748,7 @@
           <a:p>
             <a:fld id="{42CEB043-CB07-4D88-96C7-E080C34C29C0}" type="datetimeFigureOut">
               <a:rPr lang="en-US" smtClean="0"/>
-              <a:t>3/8/23</a:t>
+              <a:t>3/15/2023</a:t>
             </a:fld>
             <a:endParaRPr lang="en-US" dirty="0"/>
           </a:p>
@@ -918,7 +918,7 @@
           <a:p>
             <a:fld id="{42CEB043-CB07-4D88-96C7-E080C34C29C0}" type="datetimeFigureOut">
               <a:rPr lang="en-US" smtClean="0"/>
-              <a:t>3/8/23</a:t>
+              <a:t>3/15/2023</a:t>
             </a:fld>
             <a:endParaRPr lang="en-US" dirty="0"/>
           </a:p>
@@ -1098,7 +1098,7 @@
           <a:p>
             <a:fld id="{42CEB043-CB07-4D88-96C7-E080C34C29C0}" type="datetimeFigureOut">
               <a:rPr lang="en-US" smtClean="0"/>
-              <a:t>3/8/23</a:t>
+              <a:t>3/15/2023</a:t>
             </a:fld>
             <a:endParaRPr lang="en-US" dirty="0"/>
           </a:p>
@@ -1268,7 +1268,7 @@
           <a:p>
             <a:fld id="{42CEB043-CB07-4D88-96C7-E080C34C29C0}" type="datetimeFigureOut">
               <a:rPr lang="en-US" smtClean="0"/>
-              <a:t>3/8/23</a:t>
+              <a:t>3/15/2023</a:t>
             </a:fld>
             <a:endParaRPr lang="en-US" dirty="0"/>
           </a:p>
@@ -1512,7 +1512,7 @@
           <a:p>
             <a:fld id="{42CEB043-CB07-4D88-96C7-E080C34C29C0}" type="datetimeFigureOut">
               <a:rPr lang="en-US" smtClean="0"/>
-              <a:t>3/8/23</a:t>
+              <a:t>3/15/2023</a:t>
             </a:fld>
             <a:endParaRPr lang="en-US" dirty="0"/>
           </a:p>
@@ -1744,7 +1744,7 @@
           <a:p>
             <a:fld id="{42CEB043-CB07-4D88-96C7-E080C34C29C0}" type="datetimeFigureOut">
               <a:rPr lang="en-US" smtClean="0"/>
-              <a:t>3/8/23</a:t>
+              <a:t>3/15/2023</a:t>
             </a:fld>
             <a:endParaRPr lang="en-US" dirty="0"/>
           </a:p>
@@ -2111,7 +2111,7 @@
           <a:p>
             <a:fld id="{42CEB043-CB07-4D88-96C7-E080C34C29C0}" type="datetimeFigureOut">
               <a:rPr lang="en-US" smtClean="0"/>
-              <a:t>3/8/23</a:t>
+              <a:t>3/15/2023</a:t>
             </a:fld>
             <a:endParaRPr lang="en-US" dirty="0"/>
           </a:p>
@@ -2229,7 +2229,7 @@
           <a:p>
             <a:fld id="{42CEB043-CB07-4D88-96C7-E080C34C29C0}" type="datetimeFigureOut">
               <a:rPr lang="en-US" smtClean="0"/>
-              <a:t>3/8/23</a:t>
+              <a:t>3/15/2023</a:t>
             </a:fld>
             <a:endParaRPr lang="en-US" dirty="0"/>
           </a:p>
@@ -2324,7 +2324,7 @@
           <a:p>
             <a:fld id="{42CEB043-CB07-4D88-96C7-E080C34C29C0}" type="datetimeFigureOut">
               <a:rPr lang="en-US" smtClean="0"/>
-              <a:t>3/8/23</a:t>
+              <a:t>3/15/2023</a:t>
             </a:fld>
             <a:endParaRPr lang="en-US" dirty="0"/>
           </a:p>
@@ -2601,7 +2601,7 @@
           <a:p>
             <a:fld id="{42CEB043-CB07-4D88-96C7-E080C34C29C0}" type="datetimeFigureOut">
               <a:rPr lang="en-US" smtClean="0"/>
-              <a:t>3/8/23</a:t>
+              <a:t>3/15/2023</a:t>
             </a:fld>
             <a:endParaRPr lang="en-US" dirty="0"/>
           </a:p>
@@ -2857,7 +2857,7 @@
           <a:p>
             <a:fld id="{42CEB043-CB07-4D88-96C7-E080C34C29C0}" type="datetimeFigureOut">
               <a:rPr lang="en-US" smtClean="0"/>
-              <a:t>3/8/23</a:t>
+              <a:t>3/15/2023</a:t>
             </a:fld>
             <a:endParaRPr lang="en-US" dirty="0"/>
           </a:p>
@@ -3070,7 +3070,7 @@
           <a:p>
             <a:fld id="{42CEB043-CB07-4D88-96C7-E080C34C29C0}" type="datetimeFigureOut">
               <a:rPr lang="en-US" smtClean="0"/>
-              <a:t>3/8/23</a:t>
+              <a:t>3/15/2023</a:t>
             </a:fld>
             <a:endParaRPr lang="en-US" dirty="0"/>
           </a:p>
@@ -3490,7 +3490,7 @@
         <p:spPr>
           <a:xfrm>
             <a:off x="1010094" y="1122233"/>
-            <a:ext cx="12628644" cy="7521433"/>
+            <a:ext cx="12628644" cy="7223760"/>
           </a:xfrm>
           <a:prstGeom prst="rect">
             <a:avLst/>
@@ -3609,7 +3609,7 @@
         <p:spPr>
           <a:xfrm>
             <a:off x="1906063" y="1463483"/>
-            <a:ext cx="2523744" cy="7001962"/>
+            <a:ext cx="2523744" cy="6766560"/>
           </a:xfrm>
           <a:prstGeom prst="rect">
             <a:avLst/>
@@ -3693,8 +3693,8 @@
         </p:nvSpPr>
         <p:spPr>
           <a:xfrm>
-            <a:off x="1446449" y="1797454"/>
-            <a:ext cx="10643951" cy="6552915"/>
+            <a:off x="1463040" y="1828800"/>
+            <a:ext cx="10643951" cy="6217920"/>
           </a:xfrm>
           <a:prstGeom prst="rect">
             <a:avLst/>
@@ -3747,7 +3747,7 @@
               <a:rPr kumimoji="0" lang="en-US" sz="1200" b="0" i="0" u="none" strike="noStrike" kern="1200" cap="none" spc="0" normalizeH="0" baseline="0" noProof="0" dirty="0">
                 <a:ln w="0"/>
                 <a:solidFill>
-                  <a:srgbClr val="1E8900"/>
+                  <a:srgbClr val="7030A0"/>
                 </a:solidFill>
                 <a:effectLst/>
                 <a:uLnTx/>
@@ -3761,42 +3761,6 @@
           </a:p>
         </p:txBody>
       </p:sp>
-      <p:pic>
-        <p:nvPicPr>
-          <p:cNvPr id="67" name="Graphic 66">
-            <a:extLst>
-              <a:ext uri="{FF2B5EF4-FFF2-40B4-BE49-F238E27FC236}">
-                <a16:creationId xmlns:a16="http://schemas.microsoft.com/office/drawing/2014/main" id="{05DCC5DD-4559-40D4-86A7-0FC52729A98F}"/>
-              </a:ext>
-            </a:extLst>
-          </p:cNvPr>
-          <p:cNvPicPr>
-            <a:picLocks noChangeAspect="1"/>
-          </p:cNvPicPr>
-          <p:nvPr/>
-        </p:nvPicPr>
-        <p:blipFill>
-          <a:blip r:embed="rId5">
-            <a:extLst>
-              <a:ext uri="{96DAC541-7B7A-43D3-8B79-37D633B846F1}">
-                <asvg:svgBlip xmlns:asvg="http://schemas.microsoft.com/office/drawing/2016/SVG/main" r:embed="rId6"/>
-              </a:ext>
-            </a:extLst>
-          </a:blip>
-          <a:stretch>
-            <a:fillRect/>
-          </a:stretch>
-        </p:blipFill>
-        <p:spPr>
-          <a:xfrm>
-            <a:off x="1446447" y="1799520"/>
-            <a:ext cx="381000" cy="381000"/>
-          </a:xfrm>
-          <a:prstGeom prst="rect">
-            <a:avLst/>
-          </a:prstGeom>
-        </p:spPr>
-      </p:pic>
       <p:sp>
         <p:nvSpPr>
           <p:cNvPr id="68" name="Rectangle 67">
@@ -3899,10 +3863,10 @@
           <p:nvPr/>
         </p:nvPicPr>
         <p:blipFill>
-          <a:blip r:embed="rId7">
+          <a:blip r:embed="rId5">
             <a:extLst>
               <a:ext uri="{96DAC541-7B7A-43D3-8B79-37D633B846F1}">
-                <asvg:svgBlip xmlns:asvg="http://schemas.microsoft.com/office/drawing/2016/SVG/main" r:embed="rId8"/>
+                <asvg:svgBlip xmlns:asvg="http://schemas.microsoft.com/office/drawing/2016/SVG/main" r:embed="rId6"/>
               </a:ext>
             </a:extLst>
           </a:blip>
@@ -4121,7 +4085,7 @@
           <p:nvPr/>
         </p:nvPicPr>
         <p:blipFill>
-          <a:blip r:embed="rId9">
+          <a:blip r:embed="rId7">
             <a:extLst>
               <a:ext uri="{28A0092B-C50C-407E-A947-70E740481C1C}">
                 <a14:useLocalDpi xmlns:a14="http://schemas.microsoft.com/office/drawing/2010/main" val="0"/>
@@ -4181,7 +4145,7 @@
         <p:spPr>
           <a:xfrm>
             <a:off x="2057443" y="4365576"/>
-            <a:ext cx="2230893" cy="3892598"/>
+            <a:ext cx="2230893" cy="3566160"/>
           </a:xfrm>
           <a:prstGeom prst="rect">
             <a:avLst/>
@@ -4268,10 +4232,10 @@
           <p:nvPr/>
         </p:nvPicPr>
         <p:blipFill>
-          <a:blip r:embed="rId10">
+          <a:blip r:embed="rId8">
             <a:extLst>
               <a:ext uri="{96DAC541-7B7A-43D3-8B79-37D633B846F1}">
-                <asvg:svgBlip xmlns:asvg="http://schemas.microsoft.com/office/drawing/2016/SVG/main" r:embed="rId11"/>
+                <asvg:svgBlip xmlns:asvg="http://schemas.microsoft.com/office/drawing/2016/SVG/main" r:embed="rId9"/>
               </a:ext>
             </a:extLst>
           </a:blip>
@@ -4304,7 +4268,7 @@
           <p:nvPr/>
         </p:nvPicPr>
         <p:blipFill>
-          <a:blip r:embed="rId12">
+          <a:blip r:embed="rId10">
             <a:extLst>
               <a:ext uri="{28A0092B-C50C-407E-A947-70E740481C1C}">
                 <a14:useLocalDpi xmlns:a14="http://schemas.microsoft.com/office/drawing/2010/main" val="0"/>
@@ -4550,7 +4514,7 @@
         <p:spPr>
           <a:xfrm>
             <a:off x="2179426" y="4964068"/>
-            <a:ext cx="1990981" cy="3022775"/>
+            <a:ext cx="1990981" cy="2651760"/>
           </a:xfrm>
           <a:prstGeom prst="rect">
             <a:avLst/>
@@ -4632,10 +4596,10 @@
           <p:nvPr/>
         </p:nvPicPr>
         <p:blipFill>
-          <a:blip r:embed="rId13">
+          <a:blip r:embed="rId11">
             <a:extLst>
               <a:ext uri="{96DAC541-7B7A-43D3-8B79-37D633B846F1}">
-                <asvg:svgBlip xmlns:asvg="http://schemas.microsoft.com/office/drawing/2016/SVG/main" r:embed="rId14"/>
+                <asvg:svgBlip xmlns:asvg="http://schemas.microsoft.com/office/drawing/2016/SVG/main" r:embed="rId12"/>
               </a:ext>
             </a:extLst>
           </a:blip>
@@ -4668,7 +4632,7 @@
         <p:spPr>
           <a:xfrm>
             <a:off x="5936327" y="1463481"/>
-            <a:ext cx="2522567" cy="7001962"/>
+            <a:ext cx="2522567" cy="6766560"/>
           </a:xfrm>
           <a:prstGeom prst="rect">
             <a:avLst/>
@@ -4840,10 +4804,10 @@
           <p:nvPr/>
         </p:nvPicPr>
         <p:blipFill>
-          <a:blip r:embed="rId7">
+          <a:blip r:embed="rId5">
             <a:extLst>
               <a:ext uri="{96DAC541-7B7A-43D3-8B79-37D633B846F1}">
-                <asvg:svgBlip xmlns:asvg="http://schemas.microsoft.com/office/drawing/2016/SVG/main" r:embed="rId8"/>
+                <asvg:svgBlip xmlns:asvg="http://schemas.microsoft.com/office/drawing/2016/SVG/main" r:embed="rId6"/>
               </a:ext>
             </a:extLst>
           </a:blip>
@@ -5062,7 +5026,7 @@
           <p:nvPr/>
         </p:nvPicPr>
         <p:blipFill>
-          <a:blip r:embed="rId9">
+          <a:blip r:embed="rId7">
             <a:extLst>
               <a:ext uri="{28A0092B-C50C-407E-A947-70E740481C1C}">
                 <a14:useLocalDpi xmlns:a14="http://schemas.microsoft.com/office/drawing/2010/main" val="0"/>
@@ -5122,7 +5086,7 @@
         <p:spPr>
           <a:xfrm>
             <a:off x="6087709" y="4365576"/>
-            <a:ext cx="2231136" cy="3892598"/>
+            <a:ext cx="2231136" cy="3566160"/>
           </a:xfrm>
           <a:prstGeom prst="rect">
             <a:avLst/>
@@ -5209,10 +5173,10 @@
           <p:nvPr/>
         </p:nvPicPr>
         <p:blipFill>
-          <a:blip r:embed="rId10">
+          <a:blip r:embed="rId8">
             <a:extLst>
               <a:ext uri="{96DAC541-7B7A-43D3-8B79-37D633B846F1}">
-                <asvg:svgBlip xmlns:asvg="http://schemas.microsoft.com/office/drawing/2016/SVG/main" r:embed="rId11"/>
+                <asvg:svgBlip xmlns:asvg="http://schemas.microsoft.com/office/drawing/2016/SVG/main" r:embed="rId9"/>
               </a:ext>
             </a:extLst>
           </a:blip>
@@ -5245,7 +5209,7 @@
         <p:spPr>
           <a:xfrm>
             <a:off x="6209692" y="4964068"/>
-            <a:ext cx="1993392" cy="3022775"/>
+            <a:ext cx="1993392" cy="2651760"/>
           </a:xfrm>
           <a:prstGeom prst="rect">
             <a:avLst/>
@@ -5327,10 +5291,10 @@
           <p:nvPr/>
         </p:nvPicPr>
         <p:blipFill>
-          <a:blip r:embed="rId13">
+          <a:blip r:embed="rId11">
             <a:extLst>
               <a:ext uri="{96DAC541-7B7A-43D3-8B79-37D633B846F1}">
-                <asvg:svgBlip xmlns:asvg="http://schemas.microsoft.com/office/drawing/2016/SVG/main" r:embed="rId14"/>
+                <asvg:svgBlip xmlns:asvg="http://schemas.microsoft.com/office/drawing/2016/SVG/main" r:embed="rId12"/>
               </a:ext>
             </a:extLst>
           </a:blip>
@@ -5364,8 +5328,8 @@
         </p:nvSpPr>
         <p:spPr bwMode="auto">
           <a:xfrm>
-            <a:off x="4225566" y="6967266"/>
-            <a:ext cx="1909445" cy="430887"/>
+            <a:off x="4671087" y="7132240"/>
+            <a:ext cx="1005840" cy="430887"/>
           </a:xfrm>
           <a:prstGeom prst="rect">
             <a:avLst/>
@@ -5539,7 +5503,7 @@
           <p:nvPr/>
         </p:nvPicPr>
         <p:blipFill>
-          <a:blip r:embed="rId15">
+          <a:blip r:embed="rId13">
             <a:extLst>
               <a:ext uri="{28A0092B-C50C-407E-A947-70E740481C1C}">
                 <a14:useLocalDpi xmlns:a14="http://schemas.microsoft.com/office/drawing/2010/main" val="0"/>
@@ -5553,7 +5517,7 @@
         </p:blipFill>
         <p:spPr bwMode="auto">
           <a:xfrm>
-            <a:off x="4951688" y="6484666"/>
+            <a:off x="4951688" y="6675120"/>
             <a:ext cx="457200" cy="457200"/>
           </a:xfrm>
           <a:prstGeom prst="rect">
@@ -5599,7 +5563,7 @@
         <p:spPr>
           <a:xfrm>
             <a:off x="1722286" y="4843826"/>
-            <a:ext cx="10097182" cy="3267021"/>
+            <a:ext cx="10097182" cy="2926080"/>
           </a:xfrm>
           <a:prstGeom prst="rect">
             <a:avLst/>
@@ -5688,7 +5652,7 @@
           <p:nvPr/>
         </p:nvPicPr>
         <p:blipFill>
-          <a:blip r:embed="rId16">
+          <a:blip r:embed="rId14">
             <a:extLst>
               <a:ext uri="{28A0092B-C50C-407E-A947-70E740481C1C}">
                 <a14:useLocalDpi xmlns:a14="http://schemas.microsoft.com/office/drawing/2010/main" val="0"/>
@@ -6120,7 +6084,7 @@
           <p:nvPr/>
         </p:nvPicPr>
         <p:blipFill>
-          <a:blip r:embed="rId17">
+          <a:blip r:embed="rId15">
             <a:extLst>
               <a:ext uri="{28A0092B-C50C-407E-A947-70E740481C1C}">
                 <a14:useLocalDpi xmlns:a14="http://schemas.microsoft.com/office/drawing/2010/main" val="0"/>
@@ -6374,7 +6338,7 @@
           <p:nvPr/>
         </p:nvPicPr>
         <p:blipFill>
-          <a:blip r:embed="rId17">
+          <a:blip r:embed="rId15">
             <a:extLst>
               <a:ext uri="{28A0092B-C50C-407E-A947-70E740481C1C}">
                 <a14:useLocalDpi xmlns:a14="http://schemas.microsoft.com/office/drawing/2010/main" val="0"/>
@@ -6434,7 +6398,7 @@
         <p:spPr>
           <a:xfrm>
             <a:off x="9052316" y="1463481"/>
-            <a:ext cx="2522567" cy="7001962"/>
+            <a:ext cx="2522567" cy="6766560"/>
           </a:xfrm>
           <a:prstGeom prst="rect">
             <a:avLst/>
@@ -6606,10 +6570,10 @@
           <p:nvPr/>
         </p:nvPicPr>
         <p:blipFill>
-          <a:blip r:embed="rId7">
+          <a:blip r:embed="rId5">
             <a:extLst>
               <a:ext uri="{96DAC541-7B7A-43D3-8B79-37D633B846F1}">
-                <asvg:svgBlip xmlns:asvg="http://schemas.microsoft.com/office/drawing/2016/SVG/main" r:embed="rId8"/>
+                <asvg:svgBlip xmlns:asvg="http://schemas.microsoft.com/office/drawing/2016/SVG/main" r:embed="rId6"/>
               </a:ext>
             </a:extLst>
           </a:blip>
@@ -6828,7 +6792,7 @@
           <p:nvPr/>
         </p:nvPicPr>
         <p:blipFill>
-          <a:blip r:embed="rId9">
+          <a:blip r:embed="rId7">
             <a:extLst>
               <a:ext uri="{28A0092B-C50C-407E-A947-70E740481C1C}">
                 <a14:useLocalDpi xmlns:a14="http://schemas.microsoft.com/office/drawing/2010/main" val="0"/>
@@ -6888,7 +6852,7 @@
         <p:spPr>
           <a:xfrm>
             <a:off x="9203698" y="4365576"/>
-            <a:ext cx="2231136" cy="3892598"/>
+            <a:ext cx="2231136" cy="3566160"/>
           </a:xfrm>
           <a:prstGeom prst="rect">
             <a:avLst/>
@@ -6975,10 +6939,10 @@
           <p:nvPr/>
         </p:nvPicPr>
         <p:blipFill>
-          <a:blip r:embed="rId10">
+          <a:blip r:embed="rId8">
             <a:extLst>
               <a:ext uri="{96DAC541-7B7A-43D3-8B79-37D633B846F1}">
-                <asvg:svgBlip xmlns:asvg="http://schemas.microsoft.com/office/drawing/2016/SVG/main" r:embed="rId11"/>
+                <asvg:svgBlip xmlns:asvg="http://schemas.microsoft.com/office/drawing/2016/SVG/main" r:embed="rId9"/>
               </a:ext>
             </a:extLst>
           </a:blip>
@@ -7011,7 +6975,7 @@
         <p:spPr>
           <a:xfrm>
             <a:off x="9325681" y="4964068"/>
-            <a:ext cx="1993392" cy="3022775"/>
+            <a:ext cx="1993392" cy="2651760"/>
           </a:xfrm>
           <a:prstGeom prst="rect">
             <a:avLst/>
@@ -7093,10 +7057,10 @@
           <p:nvPr/>
         </p:nvPicPr>
         <p:blipFill>
-          <a:blip r:embed="rId13">
+          <a:blip r:embed="rId11">
             <a:extLst>
               <a:ext uri="{96DAC541-7B7A-43D3-8B79-37D633B846F1}">
-                <asvg:svgBlip xmlns:asvg="http://schemas.microsoft.com/office/drawing/2016/SVG/main" r:embed="rId14"/>
+                <asvg:svgBlip xmlns:asvg="http://schemas.microsoft.com/office/drawing/2016/SVG/main" r:embed="rId12"/>
               </a:ext>
             </a:extLst>
           </a:blip>
@@ -7323,7 +7287,7 @@
           <p:nvPr/>
         </p:nvPicPr>
         <p:blipFill>
-          <a:blip r:embed="rId17">
+          <a:blip r:embed="rId15">
             <a:extLst>
               <a:ext uri="{28A0092B-C50C-407E-A947-70E740481C1C}">
                 <a14:useLocalDpi xmlns:a14="http://schemas.microsoft.com/office/drawing/2010/main" val="0"/>
@@ -7384,8 +7348,8 @@
         </p:nvSpPr>
         <p:spPr bwMode="auto">
           <a:xfrm>
-            <a:off x="2605330" y="7432322"/>
-            <a:ext cx="1141411" cy="261610"/>
+            <a:off x="2659898" y="7132240"/>
+            <a:ext cx="1005840" cy="261610"/>
           </a:xfrm>
           <a:prstGeom prst="rect">
             <a:avLst/>
@@ -7544,7 +7508,7 @@
           <p:nvPr/>
         </p:nvPicPr>
         <p:blipFill>
-          <a:blip r:embed="rId18">
+          <a:blip r:embed="rId16">
             <a:extLst>
               <a:ext uri="{28A0092B-C50C-407E-A947-70E740481C1C}">
                 <a14:useLocalDpi xmlns:a14="http://schemas.microsoft.com/office/drawing/2010/main" val="0"/>
@@ -7558,7 +7522,7 @@
         </p:blipFill>
         <p:spPr bwMode="auto">
           <a:xfrm>
-            <a:off x="2947435" y="6975122"/>
+            <a:off x="2947435" y="6675120"/>
             <a:ext cx="457200" cy="457200"/>
           </a:xfrm>
           <a:prstGeom prst="rect">
@@ -7605,8 +7569,8 @@
         </p:nvSpPr>
         <p:spPr bwMode="auto">
           <a:xfrm>
-            <a:off x="6629284" y="7432322"/>
-            <a:ext cx="1141411" cy="261610"/>
+            <a:off x="6703468" y="7132240"/>
+            <a:ext cx="1005840" cy="261610"/>
           </a:xfrm>
           <a:prstGeom prst="rect">
             <a:avLst/>
@@ -7765,7 +7729,7 @@
           <p:nvPr/>
         </p:nvPicPr>
         <p:blipFill>
-          <a:blip r:embed="rId18">
+          <a:blip r:embed="rId16">
             <a:extLst>
               <a:ext uri="{28A0092B-C50C-407E-A947-70E740481C1C}">
                 <a14:useLocalDpi xmlns:a14="http://schemas.microsoft.com/office/drawing/2010/main" val="0"/>
@@ -7779,7 +7743,7 @@
         </p:blipFill>
         <p:spPr bwMode="auto">
           <a:xfrm>
-            <a:off x="6971389" y="6975122"/>
+            <a:off x="6986016" y="6675120"/>
             <a:ext cx="457200" cy="457200"/>
           </a:xfrm>
           <a:prstGeom prst="rect">
@@ -7826,8 +7790,8 @@
         </p:nvSpPr>
         <p:spPr bwMode="auto">
           <a:xfrm>
-            <a:off x="9752157" y="7432322"/>
-            <a:ext cx="1141411" cy="261610"/>
+            <a:off x="9810679" y="7132240"/>
+            <a:ext cx="1005840" cy="261610"/>
           </a:xfrm>
           <a:prstGeom prst="rect">
             <a:avLst/>
@@ -7986,7 +7950,7 @@
           <p:nvPr/>
         </p:nvPicPr>
         <p:blipFill>
-          <a:blip r:embed="rId18">
+          <a:blip r:embed="rId16">
             <a:extLst>
               <a:ext uri="{28A0092B-C50C-407E-A947-70E740481C1C}">
                 <a14:useLocalDpi xmlns:a14="http://schemas.microsoft.com/office/drawing/2010/main" val="0"/>
@@ -8000,7 +7964,7 @@
         </p:blipFill>
         <p:spPr bwMode="auto">
           <a:xfrm>
-            <a:off x="10094262" y="6975122"/>
+            <a:off x="10094262" y="6675120"/>
             <a:ext cx="457200" cy="457200"/>
           </a:xfrm>
           <a:prstGeom prst="rect">
@@ -8031,12 +7995,47 @@
           </a:extLst>
         </p:spPr>
       </p:pic>
+      <p:pic>
+        <p:nvPicPr>
+          <p:cNvPr id="58" name="Graphic 57">
+            <a:extLst>
+              <a:ext uri="{FF2B5EF4-FFF2-40B4-BE49-F238E27FC236}">
+                <a16:creationId xmlns:a16="http://schemas.microsoft.com/office/drawing/2014/main" id="{BF2BD2A5-7C67-4ABE-8E9D-78E9D6ECB569}"/>
+              </a:ext>
+            </a:extLst>
+          </p:cNvPr>
+          <p:cNvPicPr>
+            <a:picLocks noChangeAspect="1"/>
+          </p:cNvPicPr>
+          <p:nvPr/>
+        </p:nvPicPr>
+        <p:blipFill>
+          <a:blip r:embed="rId17">
+            <a:extLst>
+              <a:ext uri="{96DAC541-7B7A-43D3-8B79-37D633B846F1}">
+                <asvg:svgBlip xmlns:asvg="http://schemas.microsoft.com/office/drawing/2016/SVG/main" r:embed="rId18"/>
+              </a:ext>
+            </a:extLst>
+          </a:blip>
+          <a:srcRect/>
+          <a:stretch/>
+        </p:blipFill>
+        <p:spPr>
+          <a:xfrm>
+            <a:off x="1463040" y="1828800"/>
+            <a:ext cx="381000" cy="381000"/>
+          </a:xfrm>
+          <a:prstGeom prst="rect">
+            <a:avLst/>
+          </a:prstGeom>
+        </p:spPr>
+      </p:pic>
       <p:cxnSp>
         <p:nvCxnSpPr>
-          <p:cNvPr id="36" name="Straight Arrow Connector 35">
+          <p:cNvPr id="60" name="Straight Arrow Connector 59">
             <a:extLst>
               <a:ext uri="{FF2B5EF4-FFF2-40B4-BE49-F238E27FC236}">
-                <a16:creationId xmlns:a16="http://schemas.microsoft.com/office/drawing/2014/main" id="{3ADE623E-5BF2-29E3-960F-DC921A694622}"/>
+                <a16:creationId xmlns:a16="http://schemas.microsoft.com/office/drawing/2014/main" id="{7C880991-AAA4-450A-97AF-F5FE7D31E735}"/>
               </a:ext>
             </a:extLst>
           </p:cNvPr>
@@ -8047,21 +8046,18 @@
         </p:nvCxnSpPr>
         <p:spPr>
           <a:xfrm>
-            <a:off x="2973184" y="6239561"/>
-            <a:ext cx="7406949" cy="0"/>
+            <a:off x="3108960" y="6217920"/>
+            <a:ext cx="7315200" cy="0"/>
           </a:xfrm>
           <a:prstGeom prst="straightConnector1">
             <a:avLst/>
           </a:prstGeom>
           <a:ln w="12700">
             <a:solidFill>
-              <a:schemeClr val="tx1">
-                <a:lumMod val="50000"/>
-                <a:lumOff val="50000"/>
-              </a:schemeClr>
+              <a:srgbClr val="545B64"/>
             </a:solidFill>
-            <a:headEnd type="arrow"/>
-            <a:tailEnd type="arrow"/>
+            <a:headEnd type="arrow" w="med" len="sm"/>
+            <a:tailEnd type="arrow" w="med" len="sm"/>
           </a:ln>
         </p:spPr>
         <p:style>
@@ -8093,26 +8089,42 @@
         </p:nvSpPr>
         <p:spPr>
           <a:xfrm>
-            <a:off x="4498241" y="6014524"/>
-            <a:ext cx="2783134" cy="261610"/>
+            <a:off x="4617720" y="5943600"/>
+            <a:ext cx="1188720" cy="615553"/>
           </a:xfrm>
           <a:prstGeom prst="rect">
             <a:avLst/>
           </a:prstGeom>
-          <a:noFill/>
+          <a:solidFill>
+            <a:schemeClr val="bg1"/>
+          </a:solidFill>
         </p:spPr>
         <p:txBody>
-          <a:bodyPr wrap="none" rtlCol="0">
+          <a:bodyPr wrap="square" rtlCol="0">
             <a:spAutoFit/>
           </a:bodyPr>
           <a:lstStyle/>
           <a:p>
             <a:r>
-              <a:rPr lang="en-US" sz="1100" dirty="0">
+              <a:rPr lang="en-US" sz="1100" i="1" dirty="0">
                 <a:latin typeface="Arial" panose="020B0604020202020204" pitchFamily="34" charset="0"/>
                 <a:cs typeface="Arial" panose="020B0604020202020204" pitchFamily="34" charset="0"/>
               </a:rPr>
-              <a:t>Native HA data replication and availability</a:t>
+              <a:t>Native HA data </a:t>
+            </a:r>
+            <a:r>
+              <a:rPr lang="en-US" sz="1200" i="1" dirty="0">
+                <a:latin typeface="Arial" panose="020B0604020202020204" pitchFamily="34" charset="0"/>
+                <a:cs typeface="Arial" panose="020B0604020202020204" pitchFamily="34" charset="0"/>
+              </a:rPr>
+              <a:t>replication</a:t>
+            </a:r>
+            <a:r>
+              <a:rPr lang="en-US" sz="1100" i="1" dirty="0">
+                <a:latin typeface="Arial" panose="020B0604020202020204" pitchFamily="34" charset="0"/>
+                <a:cs typeface="Arial" panose="020B0604020202020204" pitchFamily="34" charset="0"/>
+              </a:rPr>
+              <a:t> and availability</a:t>
             </a:r>
           </a:p>
         </p:txBody>

--- a/docs/deployment_guide/images/quickstart-ibm-mq-eks-architecture-diagram.pptx
+++ b/docs/deployment_guide/images/quickstart-ibm-mq-eks-architecture-diagram.pptx
@@ -3775,8 +3775,8 @@
         </p:nvSpPr>
         <p:spPr>
           <a:xfrm>
-            <a:off x="2066547" y="2128041"/>
-            <a:ext cx="2229407" cy="2037783"/>
+            <a:off x="2066547" y="2286000"/>
+            <a:ext cx="2229407" cy="1920240"/>
           </a:xfrm>
           <a:prstGeom prst="rect">
             <a:avLst/>
@@ -3876,7 +3876,7 @@
         </p:blipFill>
         <p:spPr>
           <a:xfrm>
-            <a:off x="2066547" y="2128043"/>
+            <a:off x="2066547" y="2286000"/>
             <a:ext cx="381000" cy="381000"/>
           </a:xfrm>
           <a:prstGeom prst="rect">
@@ -3900,8 +3900,8 @@
         </p:nvSpPr>
         <p:spPr bwMode="auto">
           <a:xfrm>
-            <a:off x="2131005" y="2979017"/>
-            <a:ext cx="2090060" cy="261610"/>
+            <a:off x="2632610" y="3090645"/>
+            <a:ext cx="1097280" cy="261610"/>
           </a:xfrm>
           <a:prstGeom prst="rect">
             <a:avLst/>
@@ -4099,7 +4099,7 @@
         </p:blipFill>
         <p:spPr bwMode="auto">
           <a:xfrm>
-            <a:off x="2947435" y="2509043"/>
+            <a:off x="2947435" y="2651760"/>
             <a:ext cx="457200" cy="457200"/>
           </a:xfrm>
           <a:prstGeom prst="rect">
@@ -4282,7 +4282,7 @@
         </p:blipFill>
         <p:spPr bwMode="auto">
           <a:xfrm>
-            <a:off x="2947435" y="3343930"/>
+            <a:off x="2947435" y="3520440"/>
             <a:ext cx="457200" cy="457200"/>
           </a:xfrm>
           <a:prstGeom prst="rect">
@@ -4329,8 +4329,8 @@
         </p:nvSpPr>
         <p:spPr bwMode="auto">
           <a:xfrm>
-            <a:off x="2742790" y="3811514"/>
-            <a:ext cx="866491" cy="261610"/>
+            <a:off x="2797058" y="3931920"/>
+            <a:ext cx="731520" cy="261610"/>
           </a:xfrm>
           <a:prstGeom prst="rect">
             <a:avLst/>
@@ -4716,8 +4716,8 @@
         </p:nvSpPr>
         <p:spPr>
           <a:xfrm>
-            <a:off x="6096813" y="2128042"/>
-            <a:ext cx="2231136" cy="2008758"/>
+            <a:off x="6096813" y="2286000"/>
+            <a:ext cx="2231136" cy="1920240"/>
           </a:xfrm>
           <a:prstGeom prst="rect">
             <a:avLst/>
@@ -4817,7 +4817,7 @@
         </p:blipFill>
         <p:spPr>
           <a:xfrm>
-            <a:off x="6096812" y="2128043"/>
+            <a:off x="6096812" y="2286000"/>
             <a:ext cx="381000" cy="381000"/>
           </a:xfrm>
           <a:prstGeom prst="rect">
@@ -4841,8 +4841,8 @@
         </p:nvSpPr>
         <p:spPr bwMode="auto">
           <a:xfrm>
-            <a:off x="6165822" y="2979017"/>
-            <a:ext cx="2090060" cy="261610"/>
+            <a:off x="6652784" y="3090672"/>
+            <a:ext cx="1097280" cy="261610"/>
           </a:xfrm>
           <a:prstGeom prst="rect">
             <a:avLst/>
@@ -5040,7 +5040,7 @@
         </p:blipFill>
         <p:spPr bwMode="auto">
           <a:xfrm>
-            <a:off x="6982252" y="2509043"/>
+            <a:off x="6982252" y="2651760"/>
             <a:ext cx="457200" cy="457200"/>
           </a:xfrm>
           <a:prstGeom prst="rect">
@@ -5563,7 +5563,7 @@
         <p:spPr>
           <a:xfrm>
             <a:off x="1722286" y="4843826"/>
-            <a:ext cx="10097182" cy="2926080"/>
+            <a:ext cx="10058400" cy="2926080"/>
           </a:xfrm>
           <a:prstGeom prst="rect">
             <a:avLst/>
@@ -6482,8 +6482,8 @@
         </p:nvSpPr>
         <p:spPr>
           <a:xfrm>
-            <a:off x="9212802" y="2128042"/>
-            <a:ext cx="2231136" cy="2008758"/>
+            <a:off x="9212802" y="2286000"/>
+            <a:ext cx="2231136" cy="1920240"/>
           </a:xfrm>
           <a:prstGeom prst="rect">
             <a:avLst/>
@@ -6583,7 +6583,7 @@
         </p:blipFill>
         <p:spPr>
           <a:xfrm>
-            <a:off x="9212801" y="2128043"/>
+            <a:off x="9212801" y="2286000"/>
             <a:ext cx="381000" cy="381000"/>
           </a:xfrm>
           <a:prstGeom prst="rect">
@@ -6607,8 +6607,8 @@
         </p:nvSpPr>
         <p:spPr bwMode="auto">
           <a:xfrm>
-            <a:off x="9281811" y="2979017"/>
-            <a:ext cx="2090060" cy="261610"/>
+            <a:off x="9764959" y="3090645"/>
+            <a:ext cx="1097280" cy="261610"/>
           </a:xfrm>
           <a:prstGeom prst="rect">
             <a:avLst/>
@@ -6806,7 +6806,7 @@
         </p:blipFill>
         <p:spPr bwMode="auto">
           <a:xfrm>
-            <a:off x="10098241" y="2509043"/>
+            <a:off x="10098241" y="2651760"/>
             <a:ext cx="457200" cy="457200"/>
           </a:xfrm>
           <a:prstGeom prst="rect">

--- a/docs/deployment_guide/images/quickstart-ibm-mq-eks-architecture-diagram.pptx
+++ b/docs/deployment_guide/images/quickstart-ibm-mq-eks-architecture-diagram.pptx
@@ -206,7 +206,7 @@
           <a:p>
             <a:fld id="{3D24F5CC-F88F-2E40-B1E3-1BEBDB4FB352}" type="datetimeFigureOut">
               <a:rPr lang="en-US" smtClean="0"/>
-              <a:t>3/15/2023</a:t>
+              <a:t>3/16/2023</a:t>
             </a:fld>
             <a:endParaRPr lang="en-US" dirty="0"/>
           </a:p>
@@ -748,7 +748,7 @@
           <a:p>
             <a:fld id="{42CEB043-CB07-4D88-96C7-E080C34C29C0}" type="datetimeFigureOut">
               <a:rPr lang="en-US" smtClean="0"/>
-              <a:t>3/15/2023</a:t>
+              <a:t>3/16/2023</a:t>
             </a:fld>
             <a:endParaRPr lang="en-US" dirty="0"/>
           </a:p>
@@ -918,7 +918,7 @@
           <a:p>
             <a:fld id="{42CEB043-CB07-4D88-96C7-E080C34C29C0}" type="datetimeFigureOut">
               <a:rPr lang="en-US" smtClean="0"/>
-              <a:t>3/15/2023</a:t>
+              <a:t>3/16/2023</a:t>
             </a:fld>
             <a:endParaRPr lang="en-US" dirty="0"/>
           </a:p>
@@ -1098,7 +1098,7 @@
           <a:p>
             <a:fld id="{42CEB043-CB07-4D88-96C7-E080C34C29C0}" type="datetimeFigureOut">
               <a:rPr lang="en-US" smtClean="0"/>
-              <a:t>3/15/2023</a:t>
+              <a:t>3/16/2023</a:t>
             </a:fld>
             <a:endParaRPr lang="en-US" dirty="0"/>
           </a:p>
@@ -1268,7 +1268,7 @@
           <a:p>
             <a:fld id="{42CEB043-CB07-4D88-96C7-E080C34C29C0}" type="datetimeFigureOut">
               <a:rPr lang="en-US" smtClean="0"/>
-              <a:t>3/15/2023</a:t>
+              <a:t>3/16/2023</a:t>
             </a:fld>
             <a:endParaRPr lang="en-US" dirty="0"/>
           </a:p>
@@ -1512,7 +1512,7 @@
           <a:p>
             <a:fld id="{42CEB043-CB07-4D88-96C7-E080C34C29C0}" type="datetimeFigureOut">
               <a:rPr lang="en-US" smtClean="0"/>
-              <a:t>3/15/2023</a:t>
+              <a:t>3/16/2023</a:t>
             </a:fld>
             <a:endParaRPr lang="en-US" dirty="0"/>
           </a:p>
@@ -1744,7 +1744,7 @@
           <a:p>
             <a:fld id="{42CEB043-CB07-4D88-96C7-E080C34C29C0}" type="datetimeFigureOut">
               <a:rPr lang="en-US" smtClean="0"/>
-              <a:t>3/15/2023</a:t>
+              <a:t>3/16/2023</a:t>
             </a:fld>
             <a:endParaRPr lang="en-US" dirty="0"/>
           </a:p>
@@ -2111,7 +2111,7 @@
           <a:p>
             <a:fld id="{42CEB043-CB07-4D88-96C7-E080C34C29C0}" type="datetimeFigureOut">
               <a:rPr lang="en-US" smtClean="0"/>
-              <a:t>3/15/2023</a:t>
+              <a:t>3/16/2023</a:t>
             </a:fld>
             <a:endParaRPr lang="en-US" dirty="0"/>
           </a:p>
@@ -2229,7 +2229,7 @@
           <a:p>
             <a:fld id="{42CEB043-CB07-4D88-96C7-E080C34C29C0}" type="datetimeFigureOut">
               <a:rPr lang="en-US" smtClean="0"/>
-              <a:t>3/15/2023</a:t>
+              <a:t>3/16/2023</a:t>
             </a:fld>
             <a:endParaRPr lang="en-US" dirty="0"/>
           </a:p>
@@ -2324,7 +2324,7 @@
           <a:p>
             <a:fld id="{42CEB043-CB07-4D88-96C7-E080C34C29C0}" type="datetimeFigureOut">
               <a:rPr lang="en-US" smtClean="0"/>
-              <a:t>3/15/2023</a:t>
+              <a:t>3/16/2023</a:t>
             </a:fld>
             <a:endParaRPr lang="en-US" dirty="0"/>
           </a:p>
@@ -2601,7 +2601,7 @@
           <a:p>
             <a:fld id="{42CEB043-CB07-4D88-96C7-E080C34C29C0}" type="datetimeFigureOut">
               <a:rPr lang="en-US" smtClean="0"/>
-              <a:t>3/15/2023</a:t>
+              <a:t>3/16/2023</a:t>
             </a:fld>
             <a:endParaRPr lang="en-US" dirty="0"/>
           </a:p>
@@ -2857,7 +2857,7 @@
           <a:p>
             <a:fld id="{42CEB043-CB07-4D88-96C7-E080C34C29C0}" type="datetimeFigureOut">
               <a:rPr lang="en-US" smtClean="0"/>
-              <a:t>3/15/2023</a:t>
+              <a:t>3/16/2023</a:t>
             </a:fld>
             <a:endParaRPr lang="en-US" dirty="0"/>
           </a:p>
@@ -3070,7 +3070,7 @@
           <a:p>
             <a:fld id="{42CEB043-CB07-4D88-96C7-E080C34C29C0}" type="datetimeFigureOut">
               <a:rPr lang="en-US" smtClean="0"/>
-              <a:t>3/15/2023</a:t>
+              <a:t>3/16/2023</a:t>
             </a:fld>
             <a:endParaRPr lang="en-US" dirty="0"/>
           </a:p>
@@ -5605,35 +5605,13 @@
               </a:spcAft>
               <a:defRPr/>
             </a:pPr>
-            <a:r>
-              <a:rPr lang="en-US" sz="1200" dirty="0">
-                <a:solidFill>
-                  <a:srgbClr val="5A6B86"/>
-                </a:solidFill>
-                <a:latin typeface="Arial" panose="020B0604020202020204" pitchFamily="34" charset="0"/>
-                <a:cs typeface="Arial" panose="020B0604020202020204" pitchFamily="34" charset="0"/>
-              </a:rPr>
-              <a:t>EKS managed</a:t>
-            </a:r>
-            <a:br>
-              <a:rPr lang="en-US" sz="1200" dirty="0">
-                <a:solidFill>
-                  <a:srgbClr val="5A6B86"/>
-                </a:solidFill>
-                <a:latin typeface="Arial" panose="020B0604020202020204" pitchFamily="34" charset="0"/>
-                <a:cs typeface="Arial" panose="020B0604020202020204" pitchFamily="34" charset="0"/>
-              </a:rPr>
-            </a:br>
-            <a:r>
-              <a:rPr lang="en-US" sz="1200" dirty="0">
-                <a:solidFill>
-                  <a:srgbClr val="5A6B86"/>
-                </a:solidFill>
-                <a:latin typeface="Arial" panose="020B0604020202020204" pitchFamily="34" charset="0"/>
-                <a:cs typeface="Arial" panose="020B0604020202020204" pitchFamily="34" charset="0"/>
-              </a:rPr>
-              <a:t>node group</a:t>
-            </a:r>
+            <a:endParaRPr lang="en-US" sz="1200" dirty="0">
+              <a:solidFill>
+                <a:srgbClr val="5A6B86"/>
+              </a:solidFill>
+              <a:latin typeface="Arial" panose="020B0604020202020204" pitchFamily="34" charset="0"/>
+              <a:cs typeface="Arial" panose="020B0604020202020204" pitchFamily="34" charset="0"/>
+            </a:endParaRPr>
           </a:p>
         </p:txBody>
       </p:sp>
@@ -6463,7 +6441,7 @@
                 <a:ea typeface="+mn-ea"/>
                 <a:cs typeface="Arial" panose="020B0604020202020204" pitchFamily="34" charset="0"/>
               </a:rPr>
-              <a:t>Availability Zone 2</a:t>
+              <a:t>Availability Zone 3</a:t>
             </a:r>
           </a:p>
         </p:txBody>
@@ -8030,57 +8008,12 @@
           </a:prstGeom>
         </p:spPr>
       </p:pic>
-      <p:cxnSp>
-        <p:nvCxnSpPr>
-          <p:cNvPr id="60" name="Straight Arrow Connector 59">
+      <p:sp>
+        <p:nvSpPr>
+          <p:cNvPr id="59" name="TextBox 58">
             <a:extLst>
               <a:ext uri="{FF2B5EF4-FFF2-40B4-BE49-F238E27FC236}">
-                <a16:creationId xmlns:a16="http://schemas.microsoft.com/office/drawing/2014/main" id="{7C880991-AAA4-450A-97AF-F5FE7D31E735}"/>
-              </a:ext>
-            </a:extLst>
-          </p:cNvPr>
-          <p:cNvCxnSpPr>
-            <a:cxnSpLocks/>
-          </p:cNvCxnSpPr>
-          <p:nvPr/>
-        </p:nvCxnSpPr>
-        <p:spPr>
-          <a:xfrm>
-            <a:off x="3108960" y="6217920"/>
-            <a:ext cx="7315200" cy="0"/>
-          </a:xfrm>
-          <a:prstGeom prst="straightConnector1">
-            <a:avLst/>
-          </a:prstGeom>
-          <a:ln w="12700">
-            <a:solidFill>
-              <a:srgbClr val="545B64"/>
-            </a:solidFill>
-            <a:headEnd type="arrow" w="med" len="sm"/>
-            <a:tailEnd type="arrow" w="med" len="sm"/>
-          </a:ln>
-        </p:spPr>
-        <p:style>
-          <a:lnRef idx="1">
-            <a:schemeClr val="accent1"/>
-          </a:lnRef>
-          <a:fillRef idx="0">
-            <a:schemeClr val="accent1"/>
-          </a:fillRef>
-          <a:effectRef idx="0">
-            <a:schemeClr val="accent1"/>
-          </a:effectRef>
-          <a:fontRef idx="minor">
-            <a:schemeClr val="tx1"/>
-          </a:fontRef>
-        </p:style>
-      </p:cxnSp>
-      <p:sp>
-        <p:nvSpPr>
-          <p:cNvPr id="37" name="TextBox 36">
-            <a:extLst>
-              <a:ext uri="{FF2B5EF4-FFF2-40B4-BE49-F238E27FC236}">
-                <a16:creationId xmlns:a16="http://schemas.microsoft.com/office/drawing/2014/main" id="{68A1D347-522D-E7DE-054D-F69252396050}"/>
+                <a16:creationId xmlns:a16="http://schemas.microsoft.com/office/drawing/2014/main" id="{3DB4899B-D821-46AB-BCC6-E38C3D642C3B}"/>
               </a:ext>
             </a:extLst>
           </p:cNvPr>
@@ -8089,8 +8022,8 @@
         </p:nvSpPr>
         <p:spPr>
           <a:xfrm>
-            <a:off x="4617720" y="5943600"/>
-            <a:ext cx="1188720" cy="615553"/>
+            <a:off x="4617720" y="4952164"/>
+            <a:ext cx="1097280" cy="430887"/>
           </a:xfrm>
           <a:prstGeom prst="rect">
             <a:avLst/>
@@ -8105,26 +8038,43 @@
           </a:bodyPr>
           <a:lstStyle/>
           <a:p>
-            <a:r>
-              <a:rPr lang="en-US" sz="1100" i="1" dirty="0">
+            <a:pPr algn="ctr" eaLnBrk="1" fontAlgn="auto" hangingPunct="1">
+              <a:spcBef>
+                <a:spcPts val="0"/>
+              </a:spcBef>
+              <a:spcAft>
+                <a:spcPts val="0"/>
+              </a:spcAft>
+              <a:defRPr/>
+            </a:pPr>
+            <a:r>
+              <a:rPr lang="en-US" sz="1100" dirty="0">
+                <a:solidFill>
+                  <a:srgbClr val="5A6B86"/>
+                </a:solidFill>
                 <a:latin typeface="Arial" panose="020B0604020202020204" pitchFamily="34" charset="0"/>
                 <a:cs typeface="Arial" panose="020B0604020202020204" pitchFamily="34" charset="0"/>
               </a:rPr>
-              <a:t>Native HA data </a:t>
-            </a:r>
-            <a:r>
-              <a:rPr lang="en-US" sz="1200" i="1" dirty="0">
+              <a:t>EKS managed</a:t>
+            </a:r>
+            <a:br>
+              <a:rPr lang="en-US" sz="1100" dirty="0">
+                <a:solidFill>
+                  <a:srgbClr val="5A6B86"/>
+                </a:solidFill>
                 <a:latin typeface="Arial" panose="020B0604020202020204" pitchFamily="34" charset="0"/>
                 <a:cs typeface="Arial" panose="020B0604020202020204" pitchFamily="34" charset="0"/>
               </a:rPr>
-              <a:t>replication</a:t>
-            </a:r>
-            <a:r>
-              <a:rPr lang="en-US" sz="1100" i="1" dirty="0">
+            </a:br>
+            <a:r>
+              <a:rPr lang="en-US" sz="1100" dirty="0">
+                <a:solidFill>
+                  <a:srgbClr val="5A6B86"/>
+                </a:solidFill>
                 <a:latin typeface="Arial" panose="020B0604020202020204" pitchFamily="34" charset="0"/>
                 <a:cs typeface="Arial" panose="020B0604020202020204" pitchFamily="34" charset="0"/>
               </a:rPr>
-              <a:t> and availability</a:t>
+              <a:t>node group</a:t>
             </a:r>
           </a:p>
         </p:txBody>
